--- a/Assignment/SMART FARMING SYNOPSIS.pptx
+++ b/Assignment/SMART FARMING SYNOPSIS.pptx
@@ -5,7 +5,7 @@
     <p:sldMasterId id="2147483720" r:id="rId1"/>
   </p:sldMasterIdLst>
   <p:notesMasterIdLst>
-    <p:notesMasterId r:id="rId15"/>
+    <p:notesMasterId r:id="rId18"/>
   </p:notesMasterIdLst>
   <p:sldIdLst>
     <p:sldId id="256" r:id="rId2"/>
@@ -20,7 +20,10 @@
     <p:sldId id="268" r:id="rId11"/>
     <p:sldId id="269" r:id="rId12"/>
     <p:sldId id="271" r:id="rId13"/>
-    <p:sldId id="262" r:id="rId14"/>
+    <p:sldId id="272" r:id="rId14"/>
+    <p:sldId id="273" r:id="rId15"/>
+    <p:sldId id="274" r:id="rId16"/>
+    <p:sldId id="262" r:id="rId17"/>
   </p:sldIdLst>
   <p:sldSz cx="12192000" cy="6858000"/>
   <p:notesSz cx="7053263" cy="9309100"/>
@@ -220,7 +223,7 @@
           <a:p>
             <a:fld id="{4990B0EA-2F2F-42D7-9F6E-241D6598962B}" type="datetimeFigureOut">
               <a:rPr lang="en-US" smtClean="0"/>
-              <a:t>10/17/2022</a:t>
+              <a:t>11/20/2022</a:t>
             </a:fld>
             <a:endParaRPr lang="en-US"/>
           </a:p>
@@ -760,7 +763,7 @@
           <a:p>
             <a:fld id="{78ABE3C1-DBE1-495D-B57B-2849774B866A}" type="datetimeFigureOut">
               <a:rPr lang="en-US" smtClean="0"/>
-              <a:t>10/17/2022</a:t>
+              <a:t>11/20/2022</a:t>
             </a:fld>
             <a:endParaRPr lang="en-US" dirty="0"/>
           </a:p>
@@ -1098,7 +1101,7 @@
           <a:p>
             <a:fld id="{84EB90BD-B6CE-46B7-997F-7313B992CCDC}" type="datetimeFigureOut">
               <a:rPr lang="en-US" smtClean="0"/>
-              <a:t>10/17/2022</a:t>
+              <a:t>11/20/2022</a:t>
             </a:fld>
             <a:endParaRPr lang="en-US" dirty="0"/>
           </a:p>
@@ -1499,7 +1502,7 @@
           <a:p>
             <a:fld id="{CDB9D11F-B188-461D-B23F-39381795C052}" type="datetimeFigureOut">
               <a:rPr lang="en-US" smtClean="0"/>
-              <a:t>10/17/2022</a:t>
+              <a:t>11/20/2022</a:t>
             </a:fld>
             <a:endParaRPr lang="en-US" dirty="0"/>
           </a:p>
@@ -1834,7 +1837,7 @@
           <a:p>
             <a:fld id="{52E6D8D9-55A2-4063-B0F3-121F44549695}" type="datetimeFigureOut">
               <a:rPr lang="en-US" smtClean="0"/>
-              <a:t>10/17/2022</a:t>
+              <a:t>11/20/2022</a:t>
             </a:fld>
             <a:endParaRPr lang="en-US" dirty="0"/>
           </a:p>
@@ -2154,7 +2157,7 @@
           <a:p>
             <a:fld id="{9D6E9DEC-419B-4CC5-A080-3B06BD5A8291}" type="datetimeFigureOut">
               <a:rPr lang="en-US" smtClean="0"/>
-              <a:t>10/17/2022</a:t>
+              <a:t>11/20/2022</a:t>
             </a:fld>
             <a:endParaRPr lang="en-US" dirty="0"/>
           </a:p>
@@ -2552,7 +2555,7 @@
           <a:p>
             <a:fld id="{9D6E9DEC-419B-4CC5-A080-3B06BD5A8291}" type="datetimeFigureOut">
               <a:rPr lang="en-US" smtClean="0"/>
-              <a:t>10/17/2022</a:t>
+              <a:t>11/20/2022</a:t>
             </a:fld>
             <a:endParaRPr lang="en-US" dirty="0"/>
           </a:p>
@@ -2811,7 +2814,7 @@
           <a:p>
             <a:fld id="{1FA3F48C-C7C6-4055-9F49-3777875E72AE}" type="datetimeFigureOut">
               <a:rPr lang="en-US" smtClean="0"/>
-              <a:t>10/17/2022</a:t>
+              <a:t>11/20/2022</a:t>
             </a:fld>
             <a:endParaRPr lang="en-US" dirty="0"/>
           </a:p>
@@ -3073,7 +3076,7 @@
           <a:p>
             <a:fld id="{6178E61D-D431-422C-9764-11DAFE33AB63}" type="datetimeFigureOut">
               <a:rPr lang="en-US" smtClean="0"/>
-              <a:t>10/17/2022</a:t>
+              <a:t>11/20/2022</a:t>
             </a:fld>
             <a:endParaRPr lang="en-US" dirty="0"/>
           </a:p>
@@ -3336,7 +3339,7 @@
           <a:p>
             <a:fld id="{12DE42F4-6EEF-4EF7-8ED4-2208F0F89A08}" type="datetimeFigureOut">
               <a:rPr lang="en-US" smtClean="0"/>
-              <a:t>10/17/2022</a:t>
+              <a:t>11/20/2022</a:t>
             </a:fld>
             <a:endParaRPr lang="en-US" dirty="0"/>
           </a:p>
@@ -3665,7 +3668,7 @@
           <a:p>
             <a:fld id="{30578ACC-22D6-47C1-A373-4FD133E34F3C}" type="datetimeFigureOut">
               <a:rPr lang="en-US" smtClean="0"/>
-              <a:t>10/17/2022</a:t>
+              <a:t>11/20/2022</a:t>
             </a:fld>
             <a:endParaRPr lang="en-US" dirty="0"/>
           </a:p>
@@ -3988,7 +3991,7 @@
           <a:p>
             <a:fld id="{4E5A6C69-6797-4E8A-BF37-F2C3751466E9}" type="datetimeFigureOut">
               <a:rPr lang="en-US" smtClean="0"/>
-              <a:t>10/17/2022</a:t>
+              <a:t>11/20/2022</a:t>
             </a:fld>
             <a:endParaRPr lang="en-US" dirty="0"/>
           </a:p>
@@ -4445,7 +4448,7 @@
           <a:p>
             <a:fld id="{D82014A1-A632-4878-A0D3-F52BA7563730}" type="datetimeFigureOut">
               <a:rPr lang="en-US" smtClean="0"/>
-              <a:t>10/17/2022</a:t>
+              <a:t>11/20/2022</a:t>
             </a:fld>
             <a:endParaRPr lang="en-US" dirty="0"/>
           </a:p>
@@ -4650,7 +4653,7 @@
           <a:p>
             <a:fld id="{CE99F462-093F-4566-844B-4C71F2739DA5}" type="datetimeFigureOut">
               <a:rPr lang="en-US" smtClean="0"/>
-              <a:t>10/17/2022</a:t>
+              <a:t>11/20/2022</a:t>
             </a:fld>
             <a:endParaRPr lang="en-US" dirty="0"/>
           </a:p>
@@ -4827,7 +4830,7 @@
           <a:p>
             <a:fld id="{3D24A7AC-904D-4781-85BA-7D10C17ED021}" type="datetimeFigureOut">
               <a:rPr lang="en-US" smtClean="0"/>
-              <a:t>10/17/2022</a:t>
+              <a:t>11/20/2022</a:t>
             </a:fld>
             <a:endParaRPr lang="en-US" dirty="0"/>
           </a:p>
@@ -5160,7 +5163,7 @@
           <a:p>
             <a:fld id="{E331444B-B92B-4E27-8C94-BB93EAF5CB18}" type="datetimeFigureOut">
               <a:rPr lang="en-US" smtClean="0"/>
-              <a:t>10/17/2022</a:t>
+              <a:t>11/20/2022</a:t>
             </a:fld>
             <a:endParaRPr lang="en-US" dirty="0"/>
           </a:p>
@@ -5505,7 +5508,7 @@
           <a:p>
             <a:fld id="{363EFA5E-FA76-400D-B3DC-F0BA90E6D107}" type="datetimeFigureOut">
               <a:rPr lang="en-US" smtClean="0"/>
-              <a:t>10/17/2022</a:t>
+              <a:t>11/20/2022</a:t>
             </a:fld>
             <a:endParaRPr lang="en-US" dirty="0"/>
           </a:p>
@@ -7622,7 +7625,7 @@
           <a:p>
             <a:fld id="{9D6E9DEC-419B-4CC5-A080-3B06BD5A8291}" type="datetimeFigureOut">
               <a:rPr lang="en-US" smtClean="0"/>
-              <a:t>10/17/2022</a:t>
+              <a:t>11/20/2022</a:t>
             </a:fld>
             <a:endParaRPr lang="en-US" dirty="0"/>
           </a:p>
@@ -9288,7 +9291,6 @@
               <a:rPr lang="en-US" dirty="0"/>
               <a:t>Better In season Yield Understanding</a:t>
             </a:r>
-            <a:endParaRPr lang="en-US" dirty="0"/>
           </a:p>
         </p:txBody>
       </p:sp>
@@ -9306,6 +9308,263 @@
 </file>
 
 <file path=ppt/slides/slide13.xml><?xml version="1.0" encoding="utf-8"?>
+<p:sld xmlns:a="http://schemas.openxmlformats.org/drawingml/2006/main" xmlns:r="http://schemas.openxmlformats.org/officeDocument/2006/relationships" xmlns:p="http://schemas.openxmlformats.org/presentationml/2006/main">
+  <p:cSld>
+    <p:spTree>
+      <p:nvGrpSpPr>
+        <p:cNvPr id="1" name=""/>
+        <p:cNvGrpSpPr/>
+        <p:nvPr/>
+      </p:nvGrpSpPr>
+      <p:grpSpPr>
+        <a:xfrm>
+          <a:off x="0" y="0"/>
+          <a:ext cx="0" cy="0"/>
+          <a:chOff x="0" y="0"/>
+          <a:chExt cx="0" cy="0"/>
+        </a:xfrm>
+      </p:grpSpPr>
+      <p:pic>
+        <p:nvPicPr>
+          <p:cNvPr id="5" name="Picture 4"/>
+          <p:cNvPicPr>
+            <a:picLocks noChangeAspect="1"/>
+          </p:cNvPicPr>
+          <p:nvPr/>
+        </p:nvPicPr>
+        <p:blipFill>
+          <a:blip r:embed="rId2"/>
+          <a:stretch>
+            <a:fillRect/>
+          </a:stretch>
+        </p:blipFill>
+        <p:spPr>
+          <a:xfrm>
+            <a:off x="249382" y="2022764"/>
+            <a:ext cx="5945707" cy="2591827"/>
+          </a:xfrm>
+          <a:prstGeom prst="rect">
+            <a:avLst/>
+          </a:prstGeom>
+        </p:spPr>
+      </p:pic>
+      <p:sp>
+        <p:nvSpPr>
+          <p:cNvPr id="2" name="Title 1"/>
+          <p:cNvSpPr>
+            <a:spLocks noGrp="1"/>
+          </p:cNvSpPr>
+          <p:nvPr>
+            <p:ph type="title"/>
+          </p:nvPr>
+        </p:nvSpPr>
+        <p:spPr/>
+        <p:txBody>
+          <a:bodyPr/>
+          <a:lstStyle/>
+          <a:p>
+            <a:r>
+              <a:rPr lang="en-US" dirty="0" smtClean="0"/>
+              <a:t>Statistical Analysis</a:t>
+            </a:r>
+            <a:endParaRPr lang="en-US" dirty="0"/>
+          </a:p>
+        </p:txBody>
+      </p:sp>
+      <p:pic>
+        <p:nvPicPr>
+          <p:cNvPr id="4" name="Content Placeholder 3"/>
+          <p:cNvPicPr>
+            <a:picLocks noGrp="1" noChangeAspect="1"/>
+          </p:cNvPicPr>
+          <p:nvPr>
+            <p:ph idx="1"/>
+          </p:nvPr>
+        </p:nvPicPr>
+        <p:blipFill>
+          <a:blip r:embed="rId3"/>
+          <a:stretch>
+            <a:fillRect/>
+          </a:stretch>
+        </p:blipFill>
+        <p:spPr>
+          <a:xfrm>
+            <a:off x="6088488" y="3889333"/>
+            <a:ext cx="5657578" cy="2566638"/>
+          </a:xfrm>
+          <a:prstGeom prst="rect">
+            <a:avLst/>
+          </a:prstGeom>
+        </p:spPr>
+      </p:pic>
+    </p:spTree>
+    <p:extLst>
+      <p:ext uri="{BB962C8B-B14F-4D97-AF65-F5344CB8AC3E}">
+        <p14:creationId xmlns:p14="http://schemas.microsoft.com/office/powerpoint/2010/main" val="3987406774"/>
+      </p:ext>
+    </p:extLst>
+  </p:cSld>
+  <p:clrMapOvr>
+    <a:masterClrMapping/>
+  </p:clrMapOvr>
+</p:sld>
+</file>
+
+<file path=ppt/slides/slide14.xml><?xml version="1.0" encoding="utf-8"?>
+<p:sld xmlns:a="http://schemas.openxmlformats.org/drawingml/2006/main" xmlns:r="http://schemas.openxmlformats.org/officeDocument/2006/relationships" xmlns:p="http://schemas.openxmlformats.org/presentationml/2006/main">
+  <p:cSld>
+    <p:spTree>
+      <p:nvGrpSpPr>
+        <p:cNvPr id="1" name=""/>
+        <p:cNvGrpSpPr/>
+        <p:nvPr/>
+      </p:nvGrpSpPr>
+      <p:grpSpPr>
+        <a:xfrm>
+          <a:off x="0" y="0"/>
+          <a:ext cx="0" cy="0"/>
+          <a:chOff x="0" y="0"/>
+          <a:chExt cx="0" cy="0"/>
+        </a:xfrm>
+      </p:grpSpPr>
+      <p:sp>
+        <p:nvSpPr>
+          <p:cNvPr id="2" name="Title 1"/>
+          <p:cNvSpPr>
+            <a:spLocks noGrp="1"/>
+          </p:cNvSpPr>
+          <p:nvPr>
+            <p:ph type="title"/>
+          </p:nvPr>
+        </p:nvSpPr>
+        <p:spPr/>
+        <p:txBody>
+          <a:bodyPr/>
+          <a:lstStyle/>
+          <a:p>
+            <a:endParaRPr lang="en-US"/>
+          </a:p>
+        </p:txBody>
+      </p:sp>
+      <p:pic>
+        <p:nvPicPr>
+          <p:cNvPr id="4" name="Content Placeholder 3"/>
+          <p:cNvPicPr>
+            <a:picLocks noGrp="1" noChangeAspect="1"/>
+          </p:cNvPicPr>
+          <p:nvPr>
+            <p:ph idx="1"/>
+          </p:nvPr>
+        </p:nvPicPr>
+        <p:blipFill>
+          <a:blip r:embed="rId2"/>
+          <a:stretch>
+            <a:fillRect/>
+          </a:stretch>
+        </p:blipFill>
+        <p:spPr>
+          <a:xfrm>
+            <a:off x="5092975" y="2568703"/>
+            <a:ext cx="3907875" cy="2908044"/>
+          </a:xfrm>
+          <a:prstGeom prst="rect">
+            <a:avLst/>
+          </a:prstGeom>
+        </p:spPr>
+      </p:pic>
+    </p:spTree>
+    <p:extLst>
+      <p:ext uri="{BB962C8B-B14F-4D97-AF65-F5344CB8AC3E}">
+        <p14:creationId xmlns:p14="http://schemas.microsoft.com/office/powerpoint/2010/main" val="1049973945"/>
+      </p:ext>
+    </p:extLst>
+  </p:cSld>
+  <p:clrMapOvr>
+    <a:masterClrMapping/>
+  </p:clrMapOvr>
+</p:sld>
+</file>
+
+<file path=ppt/slides/slide15.xml><?xml version="1.0" encoding="utf-8"?>
+<p:sld xmlns:a="http://schemas.openxmlformats.org/drawingml/2006/main" xmlns:r="http://schemas.openxmlformats.org/officeDocument/2006/relationships" xmlns:p="http://schemas.openxmlformats.org/presentationml/2006/main">
+  <p:cSld>
+    <p:spTree>
+      <p:nvGrpSpPr>
+        <p:cNvPr id="1" name=""/>
+        <p:cNvGrpSpPr/>
+        <p:nvPr/>
+      </p:nvGrpSpPr>
+      <p:grpSpPr>
+        <a:xfrm>
+          <a:off x="0" y="0"/>
+          <a:ext cx="0" cy="0"/>
+          <a:chOff x="0" y="0"/>
+          <a:chExt cx="0" cy="0"/>
+        </a:xfrm>
+      </p:grpSpPr>
+      <p:sp>
+        <p:nvSpPr>
+          <p:cNvPr id="2" name="Title 1"/>
+          <p:cNvSpPr>
+            <a:spLocks noGrp="1"/>
+          </p:cNvSpPr>
+          <p:nvPr>
+            <p:ph type="title"/>
+          </p:nvPr>
+        </p:nvSpPr>
+        <p:spPr/>
+        <p:txBody>
+          <a:bodyPr/>
+          <a:lstStyle/>
+          <a:p>
+            <a:r>
+              <a:rPr lang="en-US" dirty="0" smtClean="0"/>
+              <a:t>References</a:t>
+            </a:r>
+            <a:endParaRPr lang="en-US" dirty="0"/>
+          </a:p>
+        </p:txBody>
+      </p:sp>
+      <p:pic>
+        <p:nvPicPr>
+          <p:cNvPr id="4" name="Content Placeholder 3"/>
+          <p:cNvPicPr>
+            <a:picLocks noGrp="1" noChangeAspect="1"/>
+          </p:cNvPicPr>
+          <p:nvPr>
+            <p:ph idx="1"/>
+          </p:nvPr>
+        </p:nvPicPr>
+        <p:blipFill>
+          <a:blip r:embed="rId2"/>
+          <a:stretch>
+            <a:fillRect/>
+          </a:stretch>
+        </p:blipFill>
+        <p:spPr>
+          <a:xfrm>
+            <a:off x="2592925" y="1246909"/>
+            <a:ext cx="7188384" cy="5375563"/>
+          </a:xfrm>
+          <a:prstGeom prst="rect">
+            <a:avLst/>
+          </a:prstGeom>
+        </p:spPr>
+      </p:pic>
+    </p:spTree>
+    <p:extLst>
+      <p:ext uri="{BB962C8B-B14F-4D97-AF65-F5344CB8AC3E}">
+        <p14:creationId xmlns:p14="http://schemas.microsoft.com/office/powerpoint/2010/main" val="3121846421"/>
+      </p:ext>
+    </p:extLst>
+  </p:cSld>
+  <p:clrMapOvr>
+    <a:masterClrMapping/>
+  </p:clrMapOvr>
+</p:sld>
+</file>
+
+<file path=ppt/slides/slide16.xml><?xml version="1.0" encoding="utf-8"?>
 <p:sld xmlns:a="http://schemas.openxmlformats.org/drawingml/2006/main" xmlns:r="http://schemas.openxmlformats.org/officeDocument/2006/relationships" xmlns:p="http://schemas.openxmlformats.org/presentationml/2006/main">
   <p:cSld>
     <p:spTree>
@@ -9991,7 +10250,7 @@
         </p:blipFill>
         <p:spPr>
           <a:xfrm>
-            <a:off x="3075711" y="410874"/>
+            <a:off x="2729347" y="2267383"/>
             <a:ext cx="7495308" cy="3884036"/>
           </a:xfrm>
           <a:prstGeom prst="rect">
